--- a/Slide đồ án.pptx
+++ b/Slide đồ án.pptx
@@ -345,7 +345,7 @@
             <a:fld id="{1D8BD707-D9CF-40AE-B4C6-C98DA3205C09}" type="datetimeFigureOut">
               <a:rPr lang="en-US" smtClean="0"/>
               <a:pPr/>
-              <a:t>5/10/2024</a:t>
+              <a:t>6/10/2024</a:t>
             </a:fld>
             <a:endParaRPr lang="en-US"/>
           </a:p>
@@ -510,7 +510,7 @@
             <a:fld id="{1D8BD707-D9CF-40AE-B4C6-C98DA3205C09}" type="datetimeFigureOut">
               <a:rPr lang="en-US" smtClean="0"/>
               <a:pPr/>
-              <a:t>5/10/2024</a:t>
+              <a:t>6/10/2024</a:t>
             </a:fld>
             <a:endParaRPr lang="en-US"/>
           </a:p>
@@ -685,7 +685,7 @@
             <a:fld id="{1D8BD707-D9CF-40AE-B4C6-C98DA3205C09}" type="datetimeFigureOut">
               <a:rPr lang="en-US" smtClean="0"/>
               <a:pPr/>
-              <a:t>5/10/2024</a:t>
+              <a:t>6/10/2024</a:t>
             </a:fld>
             <a:endParaRPr lang="en-US"/>
           </a:p>
@@ -850,7 +850,7 @@
             <a:fld id="{1D8BD707-D9CF-40AE-B4C6-C98DA3205C09}" type="datetimeFigureOut">
               <a:rPr lang="en-US" smtClean="0"/>
               <a:pPr/>
-              <a:t>5/10/2024</a:t>
+              <a:t>6/10/2024</a:t>
             </a:fld>
             <a:endParaRPr lang="en-US"/>
           </a:p>
@@ -1092,7 +1092,7 @@
             <a:fld id="{1D8BD707-D9CF-40AE-B4C6-C98DA3205C09}" type="datetimeFigureOut">
               <a:rPr lang="en-US" smtClean="0"/>
               <a:pPr/>
-              <a:t>5/10/2024</a:t>
+              <a:t>6/10/2024</a:t>
             </a:fld>
             <a:endParaRPr lang="en-US"/>
           </a:p>
@@ -1374,7 +1374,7 @@
             <a:fld id="{1D8BD707-D9CF-40AE-B4C6-C98DA3205C09}" type="datetimeFigureOut">
               <a:rPr lang="en-US" smtClean="0"/>
               <a:pPr/>
-              <a:t>5/10/2024</a:t>
+              <a:t>6/10/2024</a:t>
             </a:fld>
             <a:endParaRPr lang="en-US"/>
           </a:p>
@@ -1790,7 +1790,7 @@
             <a:fld id="{1D8BD707-D9CF-40AE-B4C6-C98DA3205C09}" type="datetimeFigureOut">
               <a:rPr lang="en-US" smtClean="0"/>
               <a:pPr/>
-              <a:t>5/10/2024</a:t>
+              <a:t>6/10/2024</a:t>
             </a:fld>
             <a:endParaRPr lang="en-US"/>
           </a:p>
@@ -1904,7 +1904,7 @@
             <a:fld id="{1D8BD707-D9CF-40AE-B4C6-C98DA3205C09}" type="datetimeFigureOut">
               <a:rPr lang="en-US" smtClean="0"/>
               <a:pPr/>
-              <a:t>5/10/2024</a:t>
+              <a:t>6/10/2024</a:t>
             </a:fld>
             <a:endParaRPr lang="en-US"/>
           </a:p>
@@ -1996,7 +1996,7 @@
             <a:fld id="{1D8BD707-D9CF-40AE-B4C6-C98DA3205C09}" type="datetimeFigureOut">
               <a:rPr lang="en-US" smtClean="0"/>
               <a:pPr/>
-              <a:t>5/10/2024</a:t>
+              <a:t>6/10/2024</a:t>
             </a:fld>
             <a:endParaRPr lang="en-US"/>
           </a:p>
@@ -2268,7 +2268,7 @@
             <a:fld id="{1D8BD707-D9CF-40AE-B4C6-C98DA3205C09}" type="datetimeFigureOut">
               <a:rPr lang="en-US" smtClean="0"/>
               <a:pPr/>
-              <a:t>5/10/2024</a:t>
+              <a:t>6/10/2024</a:t>
             </a:fld>
             <a:endParaRPr lang="en-US"/>
           </a:p>
@@ -2517,7 +2517,7 @@
             <a:fld id="{1D8BD707-D9CF-40AE-B4C6-C98DA3205C09}" type="datetimeFigureOut">
               <a:rPr lang="en-US" smtClean="0"/>
               <a:pPr/>
-              <a:t>5/10/2024</a:t>
+              <a:t>6/10/2024</a:t>
             </a:fld>
             <a:endParaRPr lang="en-US"/>
           </a:p>
@@ -2725,7 +2725,7 @@
             <a:fld id="{1D8BD707-D9CF-40AE-B4C6-C98DA3205C09}" type="datetimeFigureOut">
               <a:rPr lang="en-US" smtClean="0"/>
               <a:pPr/>
-              <a:t>5/10/2024</a:t>
+              <a:t>6/10/2024</a:t>
             </a:fld>
             <a:endParaRPr lang="en-US"/>
           </a:p>
@@ -11159,7 +11159,7 @@
                 <a:cs typeface="Nunito Sans"/>
                 <a:sym typeface="Nunito Sans"/>
               </a:rPr>
-              <a:t>11 – ĐOÀN CÔNG THÀNH </a:t>
+              <a:t>11 – NGUYỄN THẾ HẢI </a:t>
             </a:r>
           </a:p>
         </p:txBody>
@@ -13968,7 +13968,7 @@
                 <a:cs typeface="Nunito Sans"/>
                 <a:sym typeface="Nunito Sans"/>
               </a:rPr>
-              <a:t>12 – ĐOÀN CÔNG THÀNH </a:t>
+              <a:t>12 – NGUYỄN THẾ HẢI </a:t>
             </a:r>
           </a:p>
         </p:txBody>
@@ -15145,7 +15145,7 @@
                 <a:cs typeface="Nunito Sans"/>
                 <a:sym typeface="Nunito Sans"/>
               </a:rPr>
-              <a:t>ĐOÀN CÔNG THÀNH </a:t>
+              <a:t>NGUYỄN THẾ HẢI</a:t>
             </a:r>
           </a:p>
         </p:txBody>
@@ -16322,7 +16322,7 @@
                 <a:cs typeface="Nunito Sans"/>
                 <a:sym typeface="Nunito Sans"/>
               </a:rPr>
-              <a:t>ĐOÀN CÔNG THÀNH </a:t>
+              <a:t>NGUYỄN THẾ HẢI</a:t>
             </a:r>
           </a:p>
         </p:txBody>
